--- a/doc/Architecture.pptx
+++ b/doc/Architecture.pptx
@@ -268,7 +268,7 @@
           <a:p>
             <a:fld id="{016F1149-BDD9-41E1-B261-096FBBB0B260}" type="datetimeFigureOut">
               <a:rPr lang="en-US" smtClean="0"/>
-              <a:t>10/26/2022</a:t>
+              <a:t>11/2/2022</a:t>
             </a:fld>
             <a:endParaRPr lang="en-US"/>
           </a:p>
@@ -466,7 +466,7 @@
           <a:p>
             <a:fld id="{016F1149-BDD9-41E1-B261-096FBBB0B260}" type="datetimeFigureOut">
               <a:rPr lang="en-US" smtClean="0"/>
-              <a:t>10/26/2022</a:t>
+              <a:t>11/2/2022</a:t>
             </a:fld>
             <a:endParaRPr lang="en-US"/>
           </a:p>
@@ -674,7 +674,7 @@
           <a:p>
             <a:fld id="{016F1149-BDD9-41E1-B261-096FBBB0B260}" type="datetimeFigureOut">
               <a:rPr lang="en-US" smtClean="0"/>
-              <a:t>10/26/2022</a:t>
+              <a:t>11/2/2022</a:t>
             </a:fld>
             <a:endParaRPr lang="en-US"/>
           </a:p>
@@ -872,7 +872,7 @@
           <a:p>
             <a:fld id="{016F1149-BDD9-41E1-B261-096FBBB0B260}" type="datetimeFigureOut">
               <a:rPr lang="en-US" smtClean="0"/>
-              <a:t>10/26/2022</a:t>
+              <a:t>11/2/2022</a:t>
             </a:fld>
             <a:endParaRPr lang="en-US"/>
           </a:p>
@@ -1147,7 +1147,7 @@
           <a:p>
             <a:fld id="{016F1149-BDD9-41E1-B261-096FBBB0B260}" type="datetimeFigureOut">
               <a:rPr lang="en-US" smtClean="0"/>
-              <a:t>10/26/2022</a:t>
+              <a:t>11/2/2022</a:t>
             </a:fld>
             <a:endParaRPr lang="en-US"/>
           </a:p>
@@ -1412,7 +1412,7 @@
           <a:p>
             <a:fld id="{016F1149-BDD9-41E1-B261-096FBBB0B260}" type="datetimeFigureOut">
               <a:rPr lang="en-US" smtClean="0"/>
-              <a:t>10/26/2022</a:t>
+              <a:t>11/2/2022</a:t>
             </a:fld>
             <a:endParaRPr lang="en-US"/>
           </a:p>
@@ -1824,7 +1824,7 @@
           <a:p>
             <a:fld id="{016F1149-BDD9-41E1-B261-096FBBB0B260}" type="datetimeFigureOut">
               <a:rPr lang="en-US" smtClean="0"/>
-              <a:t>10/26/2022</a:t>
+              <a:t>11/2/2022</a:t>
             </a:fld>
             <a:endParaRPr lang="en-US"/>
           </a:p>
@@ -1965,7 +1965,7 @@
           <a:p>
             <a:fld id="{016F1149-BDD9-41E1-B261-096FBBB0B260}" type="datetimeFigureOut">
               <a:rPr lang="en-US" smtClean="0"/>
-              <a:t>10/26/2022</a:t>
+              <a:t>11/2/2022</a:t>
             </a:fld>
             <a:endParaRPr lang="en-US"/>
           </a:p>
@@ -2078,7 +2078,7 @@
           <a:p>
             <a:fld id="{016F1149-BDD9-41E1-B261-096FBBB0B260}" type="datetimeFigureOut">
               <a:rPr lang="en-US" smtClean="0"/>
-              <a:t>10/26/2022</a:t>
+              <a:t>11/2/2022</a:t>
             </a:fld>
             <a:endParaRPr lang="en-US"/>
           </a:p>
@@ -2389,7 +2389,7 @@
           <a:p>
             <a:fld id="{016F1149-BDD9-41E1-B261-096FBBB0B260}" type="datetimeFigureOut">
               <a:rPr lang="en-US" smtClean="0"/>
-              <a:t>10/26/2022</a:t>
+              <a:t>11/2/2022</a:t>
             </a:fld>
             <a:endParaRPr lang="en-US"/>
           </a:p>
@@ -2677,7 +2677,7 @@
           <a:p>
             <a:fld id="{016F1149-BDD9-41E1-B261-096FBBB0B260}" type="datetimeFigureOut">
               <a:rPr lang="en-US" smtClean="0"/>
-              <a:t>10/26/2022</a:t>
+              <a:t>11/2/2022</a:t>
             </a:fld>
             <a:endParaRPr lang="en-US"/>
           </a:p>
@@ -2918,7 +2918,7 @@
           <a:p>
             <a:fld id="{016F1149-BDD9-41E1-B261-096FBBB0B260}" type="datetimeFigureOut">
               <a:rPr lang="en-US" smtClean="0"/>
-              <a:t>10/26/2022</a:t>
+              <a:t>11/2/2022</a:t>
             </a:fld>
             <a:endParaRPr lang="en-US"/>
           </a:p>
@@ -7072,6 +7072,9 @@
           <a:prstGeom prst="flowChartDecision">
             <a:avLst/>
           </a:prstGeom>
+          <a:solidFill>
+            <a:srgbClr val="FF0000"/>
+          </a:solidFill>
         </p:spPr>
         <p:style>
           <a:lnRef idx="2">
@@ -7119,6 +7122,9 @@
           <a:prstGeom prst="flowChartDecision">
             <a:avLst/>
           </a:prstGeom>
+          <a:solidFill>
+            <a:srgbClr val="FF0000"/>
+          </a:solidFill>
         </p:spPr>
         <p:style>
           <a:lnRef idx="2">
@@ -7171,9 +7177,7 @@
           </a:prstGeom>
           <a:ln w="19050">
             <a:solidFill>
-              <a:schemeClr val="accent6">
-                <a:lumMod val="50000"/>
-              </a:schemeClr>
+              <a:srgbClr val="FF0000"/>
             </a:solidFill>
             <a:tailEnd type="triangle"/>
           </a:ln>
@@ -7248,6 +7252,9 @@
           <a:prstGeom prst="flowChartProcess">
             <a:avLst/>
           </a:prstGeom>
+          <a:solidFill>
+            <a:srgbClr val="FF0000"/>
+          </a:solidFill>
         </p:spPr>
         <p:style>
           <a:lnRef idx="2">
@@ -7341,6 +7348,9 @@
           <a:prstGeom prst="flowChartProcess">
             <a:avLst/>
           </a:prstGeom>
+          <a:solidFill>
+            <a:srgbClr val="FF0000"/>
+          </a:solidFill>
         </p:spPr>
         <p:style>
           <a:lnRef idx="2">
@@ -7396,9 +7406,7 @@
           </a:prstGeom>
           <a:ln w="19050">
             <a:solidFill>
-              <a:schemeClr val="accent6">
-                <a:lumMod val="50000"/>
-              </a:schemeClr>
+              <a:srgbClr val="FF0000"/>
             </a:solidFill>
             <a:tailEnd type="triangle"/>
           </a:ln>
@@ -7553,9 +7561,7 @@
           </a:prstGeom>
           <a:ln w="19050">
             <a:solidFill>
-              <a:schemeClr val="accent6">
-                <a:lumMod val="50000"/>
-              </a:schemeClr>
+              <a:srgbClr val="FF0000"/>
             </a:solidFill>
             <a:tailEnd type="triangle"/>
           </a:ln>
@@ -7630,6 +7636,9 @@
           <a:prstGeom prst="flowChartDecision">
             <a:avLst/>
           </a:prstGeom>
+          <a:solidFill>
+            <a:srgbClr val="FF0000"/>
+          </a:solidFill>
         </p:spPr>
         <p:style>
           <a:lnRef idx="2">
@@ -7685,9 +7694,7 @@
           </a:prstGeom>
           <a:ln w="19050">
             <a:solidFill>
-              <a:schemeClr val="accent6">
-                <a:lumMod val="50000"/>
-              </a:schemeClr>
+              <a:srgbClr val="FF0000"/>
             </a:solidFill>
             <a:tailEnd type="triangle"/>
           </a:ln>
@@ -7797,6 +7804,9 @@
           <a:prstGeom prst="flowChartDecision">
             <a:avLst/>
           </a:prstGeom>
+          <a:solidFill>
+            <a:srgbClr val="FF0000"/>
+          </a:solidFill>
         </p:spPr>
         <p:style>
           <a:lnRef idx="2">
@@ -7948,6 +7958,9 @@
           <a:prstGeom prst="flowChartDecision">
             <a:avLst/>
           </a:prstGeom>
+          <a:solidFill>
+            <a:srgbClr val="FF0000"/>
+          </a:solidFill>
         </p:spPr>
         <p:style>
           <a:lnRef idx="2">
@@ -8003,9 +8016,7 @@
           </a:prstGeom>
           <a:ln w="19050">
             <a:solidFill>
-              <a:schemeClr val="accent6">
-                <a:lumMod val="50000"/>
-              </a:schemeClr>
+              <a:srgbClr val="FF0000"/>
             </a:solidFill>
             <a:tailEnd type="triangle"/>
           </a:ln>
@@ -8053,9 +8064,7 @@
           </a:prstGeom>
           <a:ln w="19050">
             <a:solidFill>
-              <a:schemeClr val="accent6">
-                <a:lumMod val="50000"/>
-              </a:schemeClr>
+              <a:srgbClr val="FF0000"/>
             </a:solidFill>
             <a:tailEnd type="triangle"/>
           </a:ln>
@@ -8095,6 +8104,9 @@
           <a:prstGeom prst="flowChartProcess">
             <a:avLst/>
           </a:prstGeom>
+          <a:solidFill>
+            <a:srgbClr val="FF0000"/>
+          </a:solidFill>
         </p:spPr>
         <p:style>
           <a:lnRef idx="2">
@@ -8178,9 +8190,7 @@
           </a:prstGeom>
           <a:ln w="19050">
             <a:solidFill>
-              <a:schemeClr val="accent6">
-                <a:lumMod val="50000"/>
-              </a:schemeClr>
+              <a:srgbClr val="FF0000"/>
             </a:solidFill>
             <a:tailEnd type="triangle"/>
           </a:ln>
@@ -8247,14 +8257,14 @@
           <p:cNvCxnSpPr>
             <a:cxnSpLocks/>
             <a:stCxn id="138" idx="2"/>
-            <a:endCxn id="7" idx="0"/>
+            <a:endCxn id="3" idx="0"/>
           </p:cNvCxnSpPr>
           <p:nvPr/>
         </p:nvCxnSpPr>
         <p:spPr>
           <a:xfrm rot="5400000">
-            <a:off x="2611996" y="2540164"/>
-            <a:ext cx="474558" cy="851123"/>
+            <a:off x="3144494" y="2858788"/>
+            <a:ext cx="260684" cy="1"/>
           </a:xfrm>
           <a:prstGeom prst="bentConnector3">
             <a:avLst>
@@ -8313,9 +8323,7 @@
           </a:prstGeom>
           <a:ln w="19050">
             <a:solidFill>
-              <a:schemeClr val="accent6">
-                <a:lumMod val="50000"/>
-              </a:schemeClr>
+              <a:srgbClr val="FF0000"/>
             </a:solidFill>
             <a:tailEnd type="triangle"/>
           </a:ln>
@@ -8431,9 +8439,7 @@
           </a:prstGeom>
           <a:ln w="19050">
             <a:solidFill>
-              <a:schemeClr val="accent6">
-                <a:lumMod val="50000"/>
-              </a:schemeClr>
+              <a:srgbClr val="FF0000"/>
             </a:solidFill>
             <a:tailEnd type="triangle"/>
           </a:ln>
@@ -8516,9 +8522,7 @@
           </a:prstGeom>
           <a:ln w="19050">
             <a:solidFill>
-              <a:schemeClr val="accent6">
-                <a:lumMod val="50000"/>
-              </a:schemeClr>
+              <a:srgbClr val="FF0000"/>
             </a:solidFill>
             <a:tailEnd type="triangle"/>
           </a:ln>
@@ -8601,9 +8605,7 @@
           </a:prstGeom>
           <a:ln w="19050">
             <a:solidFill>
-              <a:schemeClr val="accent6">
-                <a:lumMod val="50000"/>
-              </a:schemeClr>
+              <a:srgbClr val="FF0000"/>
             </a:solidFill>
             <a:tailEnd type="triangle"/>
           </a:ln>
@@ -8643,6 +8645,9 @@
           <a:prstGeom prst="flowChartProcess">
             <a:avLst/>
           </a:prstGeom>
+          <a:solidFill>
+            <a:srgbClr val="FF0000"/>
+          </a:solidFill>
         </p:spPr>
         <p:style>
           <a:lnRef idx="2">
@@ -8882,9 +8887,7 @@
           </a:prstGeom>
           <a:ln w="19050">
             <a:solidFill>
-              <a:schemeClr val="accent6">
-                <a:lumMod val="50000"/>
-              </a:schemeClr>
+              <a:srgbClr val="FF0000"/>
             </a:solidFill>
             <a:tailEnd type="triangle"/>
           </a:ln>
@@ -8924,6 +8927,9 @@
           <a:prstGeom prst="flowChartDecision">
             <a:avLst/>
           </a:prstGeom>
+          <a:solidFill>
+            <a:srgbClr val="FF0000"/>
+          </a:solidFill>
         </p:spPr>
         <p:style>
           <a:lnRef idx="2">
@@ -8979,9 +8985,7 @@
           </a:prstGeom>
           <a:ln w="19050">
             <a:solidFill>
-              <a:schemeClr val="accent6">
-                <a:lumMod val="50000"/>
-              </a:schemeClr>
+              <a:srgbClr val="FF0000"/>
             </a:solidFill>
             <a:tailEnd type="triangle"/>
           </a:ln>
@@ -9101,9 +9105,7 @@
           </a:prstGeom>
           <a:ln w="19050">
             <a:solidFill>
-              <a:schemeClr val="accent6">
-                <a:lumMod val="50000"/>
-              </a:schemeClr>
+              <a:srgbClr val="FF0000"/>
             </a:solidFill>
             <a:tailEnd type="triangle"/>
           </a:ln>
@@ -9232,9 +9234,7 @@
           </a:prstGeom>
           <a:ln w="19050">
             <a:solidFill>
-              <a:schemeClr val="accent6">
-                <a:lumMod val="50000"/>
-              </a:schemeClr>
+              <a:srgbClr val="FF0000"/>
             </a:solidFill>
             <a:tailEnd type="triangle"/>
           </a:ln>
@@ -9280,9 +9280,7 @@
           </a:prstGeom>
           <a:ln w="19050">
             <a:solidFill>
-              <a:schemeClr val="accent6">
-                <a:lumMod val="50000"/>
-              </a:schemeClr>
+              <a:srgbClr val="FF0000"/>
             </a:solidFill>
             <a:tailEnd type="triangle"/>
           </a:ln>
@@ -10637,9 +10635,7 @@
           </a:prstGeom>
           <a:ln w="19050">
             <a:solidFill>
-              <a:schemeClr val="accent6">
-                <a:lumMod val="50000"/>
-              </a:schemeClr>
+              <a:srgbClr val="FF0000"/>
             </a:solidFill>
             <a:tailEnd type="triangle"/>
           </a:ln>
@@ -10832,8 +10828,8 @@
           </a:fontRef>
         </p:style>
       </p:cxnSp>
-      <mc:AlternateContent xmlns:mc="http://schemas.openxmlformats.org/markup-compatibility/2006">
-        <mc:Choice xmlns:a14="http://schemas.microsoft.com/office/drawing/2010/main" Requires="a14">
+      <mc:AlternateContent xmlns:mc="http://schemas.openxmlformats.org/markup-compatibility/2006" xmlns:a14="http://schemas.microsoft.com/office/drawing/2010/main">
+        <mc:Choice Requires="a14">
           <p:sp>
             <p:nvSpPr>
               <p:cNvPr id="23" name="TextBox 22">
@@ -11029,7 +11025,7 @@
             </p:txBody>
           </p:sp>
         </mc:Choice>
-        <mc:Fallback>
+        <mc:Fallback xmlns="">
           <p:sp>
             <p:nvSpPr>
               <p:cNvPr id="23" name="TextBox 22">
@@ -11128,6 +11124,52 @@
           </a:fontRef>
         </p:style>
       </p:cxnSp>
+      <p:sp>
+        <p:nvSpPr>
+          <p:cNvPr id="3" name="Oval 2">
+            <a:extLst>
+              <a:ext uri="{FF2B5EF4-FFF2-40B4-BE49-F238E27FC236}">
+                <a16:creationId xmlns:a16="http://schemas.microsoft.com/office/drawing/2014/main" id="{45B29346-43A7-2E81-2B8B-ECD2F4257442}"/>
+              </a:ext>
+            </a:extLst>
+          </p:cNvPr>
+          <p:cNvSpPr/>
+          <p:nvPr/>
+        </p:nvSpPr>
+        <p:spPr>
+          <a:xfrm>
+            <a:off x="3174277" y="2989130"/>
+            <a:ext cx="201116" cy="232610"/>
+          </a:xfrm>
+          <a:prstGeom prst="ellipse">
+            <a:avLst/>
+          </a:prstGeom>
+        </p:spPr>
+        <p:style>
+          <a:lnRef idx="2">
+            <a:schemeClr val="dk1">
+              <a:shade val="50000"/>
+            </a:schemeClr>
+          </a:lnRef>
+          <a:fillRef idx="1">
+            <a:schemeClr val="dk1"/>
+          </a:fillRef>
+          <a:effectRef idx="0">
+            <a:schemeClr val="dk1"/>
+          </a:effectRef>
+          <a:fontRef idx="minor">
+            <a:schemeClr val="lt1"/>
+          </a:fontRef>
+        </p:style>
+        <p:txBody>
+          <a:bodyPr rtlCol="0" anchor="ctr"/>
+          <a:lstStyle/>
+          <a:p>
+            <a:pPr algn="ctr"/>
+            <a:endParaRPr lang="en-US"/>
+          </a:p>
+        </p:txBody>
+      </p:sp>
     </p:spTree>
     <p:extLst>
       <p:ext uri="{BB962C8B-B14F-4D97-AF65-F5344CB8AC3E}">
@@ -12032,7 +12074,7 @@
         </p:blipFill>
         <p:spPr>
           <a:xfrm>
-            <a:off x="7130587" y="768686"/>
+            <a:off x="7908825" y="707346"/>
             <a:ext cx="4486901" cy="3439005"/>
           </a:xfrm>
           <a:prstGeom prst="rect">
@@ -12285,8 +12327,8 @@
           </p:sp>
         </mc:Fallback>
       </mc:AlternateContent>
-      <mc:AlternateContent xmlns:mc="http://schemas.openxmlformats.org/markup-compatibility/2006" xmlns:a14="http://schemas.microsoft.com/office/drawing/2010/main">
-        <mc:Choice Requires="a14">
+      <mc:AlternateContent xmlns:mc="http://schemas.openxmlformats.org/markup-compatibility/2006">
+        <mc:Choice xmlns:a14="http://schemas.microsoft.com/office/drawing/2010/main" Requires="a14">
           <p:sp>
             <p:nvSpPr>
               <p:cNvPr id="2" name="TextBox 1">
@@ -12302,7 +12344,7 @@
             <p:spPr>
               <a:xfrm>
                 <a:off x="1289647" y="5071873"/>
-                <a:ext cx="6859507" cy="719428"/>
+                <a:ext cx="7648184" cy="719428"/>
               </a:xfrm>
               <a:prstGeom prst="rect">
                 <a:avLst/>
@@ -12427,27 +12469,16 @@
                                     <a:rPr lang="en-US" b="0" i="1" smtClean="0">
                                       <a:latin typeface="Cambria Math" panose="02040503050406030204" pitchFamily="18" charset="0"/>
                                     </a:rPr>
-                                    <m:t>𝑓</m:t>
+                                    <m:t>𝑎𝑡𝑡𝑎𝑐𝑘𝑒𝑟</m:t>
                                   </m:r>
                                 </m:e>
                                 <m:sub>
-                                  <m:d>
-                                    <m:dPr>
-                                      <m:ctrlPr>
-                                        <a:rPr lang="en-US" b="0" i="1" smtClean="0">
-                                          <a:latin typeface="Cambria Math" panose="02040503050406030204" pitchFamily="18" charset="0"/>
-                                        </a:rPr>
-                                      </m:ctrlPr>
-                                    </m:dPr>
-                                    <m:e>
-                                      <m:r>
-                                        <a:rPr lang="en-US" b="0" i="1" smtClean="0">
-                                          <a:latin typeface="Cambria Math" panose="02040503050406030204" pitchFamily="18" charset="0"/>
-                                        </a:rPr>
-                                        <m:t>𝑒𝑛𝑔𝑎𝑔𝑒</m:t>
-                                      </m:r>
-                                    </m:e>
-                                  </m:d>
+                                  <m:r>
+                                    <a:rPr lang="en-US" b="0" i="1" smtClean="0">
+                                      <a:latin typeface="Cambria Math" panose="02040503050406030204" pitchFamily="18" charset="0"/>
+                                    </a:rPr>
+                                    <m:t>h𝑒𝑎𝑙𝑡h</m:t>
+                                  </m:r>
                                 </m:sub>
                               </m:sSub>
                               <m:r>
@@ -12495,23 +12526,67 @@
                                   </m:r>
                                 </m:sub>
                               </m:sSub>
+                              <m:sSup>
+                                <m:sSupPr>
+                                  <m:ctrlPr>
+                                    <a:rPr lang="en-US" i="1">
+                                      <a:latin typeface="Cambria Math" panose="02040503050406030204" pitchFamily="18" charset="0"/>
+                                    </a:rPr>
+                                  </m:ctrlPr>
+                                </m:sSupPr>
+                                <m:e>
+                                  <m:r>
+                                    <a:rPr lang="en-US" i="1">
+                                      <a:latin typeface="Cambria Math" panose="02040503050406030204" pitchFamily="18" charset="0"/>
+                                    </a:rPr>
+                                    <m:t>=</m:t>
+                                  </m:r>
+                                </m:e>
+                                <m:sup>
+                                  <m:r>
+                                    <a:rPr lang="en-US" i="1">
+                                      <a:latin typeface="Cambria Math" panose="02040503050406030204" pitchFamily="18" charset="0"/>
+                                    </a:rPr>
+                                    <m:t>′</m:t>
+                                  </m:r>
+                                </m:sup>
+                              </m:sSup>
                               <m:r>
                                 <a:rPr lang="en-US" i="1">
                                   <a:latin typeface="Cambria Math" panose="02040503050406030204" pitchFamily="18" charset="0"/>
                                 </a:rPr>
-                                <m:t>=′</m:t>
+                                <m:t>𝐷𝐸𝑆𝑇𝑅𝑂𝑌𝐸</m:t>
                               </m:r>
+                              <m:sSup>
+                                <m:sSupPr>
+                                  <m:ctrlPr>
+                                    <a:rPr lang="en-US" i="1">
+                                      <a:latin typeface="Cambria Math" panose="02040503050406030204" pitchFamily="18" charset="0"/>
+                                    </a:rPr>
+                                  </m:ctrlPr>
+                                </m:sSupPr>
+                                <m:e>
+                                  <m:r>
+                                    <a:rPr lang="en-US" i="1">
+                                      <a:latin typeface="Cambria Math" panose="02040503050406030204" pitchFamily="18" charset="0"/>
+                                    </a:rPr>
+                                    <m:t>𝐷</m:t>
+                                  </m:r>
+                                </m:e>
+                                <m:sup>
+                                  <m:r>
+                                    <a:rPr lang="en-US" i="1">
+                                      <a:latin typeface="Cambria Math" panose="02040503050406030204" pitchFamily="18" charset="0"/>
+                                    </a:rPr>
+                                    <m:t>′</m:t>
+                                  </m:r>
+                                </m:sup>
+                              </m:sSup>
                               <m:r>
                                 <a:rPr lang="en-US" i="1">
                                   <a:latin typeface="Cambria Math" panose="02040503050406030204" pitchFamily="18" charset="0"/>
                                 </a:rPr>
-                                <m:t>𝐷𝐸𝑆𝑇𝑅𝑂𝑌𝐸𝐷</m:t>
-                              </m:r>
-                              <m:r>
-                                <a:rPr lang="en-US" i="1">
-                                  <a:latin typeface="Cambria Math" panose="02040503050406030204" pitchFamily="18" charset="0"/>
-                                </a:rPr>
-                                <m:t>′,  </m:t>
+                                <m:t>,  </m:t>
                               </m:r>
                               <m:sSub>
                                 <m:sSubPr>
@@ -12523,10 +12598,10 @@
                                 </m:sSubPr>
                                 <m:e>
                                   <m:r>
-                                    <a:rPr lang="en-US" i="1">
+                                    <a:rPr lang="en-US" b="0" i="1" smtClean="0">
                                       <a:latin typeface="Cambria Math" panose="02040503050406030204" pitchFamily="18" charset="0"/>
                                     </a:rPr>
-                                    <m:t>𝑓</m:t>
+                                    <m:t>𝑑𝑒𝑓𝑒𝑛𝑠𝑜𝑟</m:t>
                                   </m:r>
                                 </m:e>
                                 <m:sub>
@@ -12540,21 +12615,21 @@
                                     </m:dPr>
                                     <m:e>
                                       <m:r>
-                                        <a:rPr lang="en-US" i="1">
+                                        <a:rPr lang="en-US" b="0" i="1" smtClean="0">
                                           <a:latin typeface="Cambria Math" panose="02040503050406030204" pitchFamily="18" charset="0"/>
                                         </a:rPr>
-                                        <m:t>𝑒𝑛𝑔𝑎𝑔𝑒</m:t>
+                                        <m:t>h𝑒𝑎𝑙𝑡h</m:t>
                                       </m:r>
                                     </m:e>
                                   </m:d>
                                 </m:sub>
                               </m:sSub>
                               <m:r>
-                                <a:rPr lang="en-US" i="1" smtClean="0">
+                                <a:rPr lang="en-US" b="0" i="1" smtClean="0">
                                   <a:latin typeface="Cambria Math" panose="02040503050406030204" pitchFamily="18" charset="0"/>
                                   <a:ea typeface="Cambria Math" panose="02040503050406030204" pitchFamily="18" charset="0"/>
                                 </a:rPr>
-                                <m:t>≥</m:t>
+                                <m:t>&lt;</m:t>
                               </m:r>
                               <m:r>
                                 <a:rPr lang="en-US" i="1">
@@ -12586,7 +12661,7 @@
             </p:txBody>
           </p:sp>
         </mc:Choice>
-        <mc:Fallback xmlns="">
+        <mc:Fallback>
           <p:sp>
             <p:nvSpPr>
               <p:cNvPr id="2" name="TextBox 1">
@@ -12604,7 +12679,7 @@
             <p:spPr>
               <a:xfrm>
                 <a:off x="1289647" y="5071873"/>
-                <a:ext cx="6859507" cy="719428"/>
+                <a:ext cx="7648184" cy="719428"/>
               </a:xfrm>
               <a:prstGeom prst="rect">
                 <a:avLst/>
